--- a/trunk/Dot Project EAP/4. System Management/Apresentacoes/apresentaoV6.pptx
+++ b/trunk/Dot Project EAP/4. System Management/Apresentacoes/apresentaoV6.pptx
@@ -238,7 +238,7 @@
             <a:fld id="{4D9B6384-752E-4F32-9137-D4556683FD91}" type="datetimeFigureOut">
               <a:rPr lang="pt-BR" smtClean="0"/>
               <a:pPr/>
-              <a:t>20/11/2011</a:t>
+              <a:t>27/11/2011</a:t>
             </a:fld>
             <a:endParaRPr lang="pt-BR"/>
           </a:p>
@@ -405,7 +405,7 @@
             <a:fld id="{C77D3149-F6E6-4DB7-9195-84D964D8F34F}" type="datetimeFigureOut">
               <a:rPr lang="pt-BR" smtClean="0"/>
               <a:pPr/>
-              <a:t>20/11/2011</a:t>
+              <a:t>27/11/2011</a:t>
             </a:fld>
             <a:endParaRPr lang="pt-BR"/>
           </a:p>
@@ -1978,7 +1978,7 @@
               <a:pPr>
                 <a:defRPr/>
               </a:pPr>
-              <a:t>20/11/2011</a:t>
+              <a:t>27/11/2011</a:t>
             </a:fld>
             <a:endParaRPr lang="fr-FR" dirty="0"/>
           </a:p>
@@ -2175,7 +2175,7 @@
               <a:pPr>
                 <a:defRPr/>
               </a:pPr>
-              <a:t>20/11/2011</a:t>
+              <a:t>27/11/2011</a:t>
             </a:fld>
             <a:endParaRPr lang="fr-FR" dirty="0"/>
           </a:p>
@@ -2382,7 +2382,7 @@
               <a:pPr>
                 <a:defRPr/>
               </a:pPr>
-              <a:t>20/11/2011</a:t>
+              <a:t>27/11/2011</a:t>
             </a:fld>
             <a:endParaRPr lang="fr-FR" dirty="0"/>
           </a:p>
@@ -2579,7 +2579,7 @@
               <a:pPr>
                 <a:defRPr/>
               </a:pPr>
-              <a:t>20/11/2011</a:t>
+              <a:t>27/11/2011</a:t>
             </a:fld>
             <a:endParaRPr lang="fr-FR" dirty="0"/>
           </a:p>
@@ -2852,7 +2852,7 @@
               <a:pPr>
                 <a:defRPr/>
               </a:pPr>
-              <a:t>20/11/2011</a:t>
+              <a:t>27/11/2011</a:t>
             </a:fld>
             <a:endParaRPr lang="fr-FR" dirty="0"/>
           </a:p>
@@ -3167,7 +3167,7 @@
               <a:pPr>
                 <a:defRPr/>
               </a:pPr>
-              <a:t>20/11/2011</a:t>
+              <a:t>27/11/2011</a:t>
             </a:fld>
             <a:endParaRPr lang="fr-FR" dirty="0"/>
           </a:p>
@@ -3616,7 +3616,7 @@
               <a:pPr>
                 <a:defRPr/>
               </a:pPr>
-              <a:t>20/11/2011</a:t>
+              <a:t>27/11/2011</a:t>
             </a:fld>
             <a:endParaRPr lang="fr-FR" dirty="0"/>
           </a:p>
@@ -3761,7 +3761,7 @@
               <a:pPr>
                 <a:defRPr/>
               </a:pPr>
-              <a:t>20/11/2011</a:t>
+              <a:t>27/11/2011</a:t>
             </a:fld>
             <a:endParaRPr lang="fr-FR" dirty="0"/>
           </a:p>
@@ -3883,7 +3883,7 @@
               <a:pPr>
                 <a:defRPr/>
               </a:pPr>
-              <a:t>20/11/2011</a:t>
+              <a:t>27/11/2011</a:t>
             </a:fld>
             <a:endParaRPr lang="fr-FR" dirty="0"/>
           </a:p>
@@ -4187,7 +4187,7 @@
               <a:pPr>
                 <a:defRPr/>
               </a:pPr>
-              <a:t>20/11/2011</a:t>
+              <a:t>27/11/2011</a:t>
             </a:fld>
             <a:endParaRPr lang="fr-FR" dirty="0"/>
           </a:p>
@@ -4474,7 +4474,7 @@
               <a:pPr>
                 <a:defRPr/>
               </a:pPr>
-              <a:t>20/11/2011</a:t>
+              <a:t>27/11/2011</a:t>
             </a:fld>
             <a:endParaRPr lang="fr-FR" dirty="0"/>
           </a:p>
@@ -4766,7 +4766,7 @@
               <a:pPr>
                 <a:defRPr/>
               </a:pPr>
-              <a:t>20/11/2011</a:t>
+              <a:t>27/11/2011</a:t>
             </a:fld>
             <a:endParaRPr lang="fr-FR" dirty="0"/>
           </a:p>
@@ -7840,14 +7840,14 @@
           <p:nvPr>
             <p:extLst>
               <p:ext uri="{D42A27DB-BD31-4B8C-83A1-F6EECF244321}">
-                <p14:modId xmlns:p14="http://schemas.microsoft.com/office/powerpoint/2010/main" val="4151709597"/>
+                <p14:modId xmlns:p14="http://schemas.microsoft.com/office/powerpoint/2010/main" val="2507817396"/>
               </p:ext>
             </p:extLst>
           </p:nvPr>
         </p:nvGraphicFramePr>
         <p:xfrm>
           <a:off x="2416475" y="1988840"/>
-          <a:ext cx="6537075" cy="2266773"/>
+          <a:ext cx="6537075" cy="2029146"/>
         </p:xfrm>
         <a:graphic>
           <a:graphicData uri="http://schemas.openxmlformats.org/drawingml/2006/table">
@@ -8197,128 +8197,14 @@
                         </a:spcAft>
                       </a:pPr>
                       <a:r>
-                        <a:rPr lang="de-DE" sz="1200">
-                          <a:effectLst/>
-                          <a:latin typeface="Arial" pitchFamily="34" charset="0"/>
-                          <a:cs typeface="Arial" pitchFamily="34" charset="0"/>
-                        </a:rPr>
-                        <a:t>Duração</a:t>
-                      </a:r>
-                      <a:endParaRPr lang="pt-BR" sz="1200">
-                        <a:effectLst/>
-                        <a:latin typeface="Arial" pitchFamily="34" charset="0"/>
-                        <a:ea typeface="Times New Roman"/>
-                        <a:cs typeface="Arial" pitchFamily="34" charset="0"/>
-                      </a:endParaRPr>
-                    </a:p>
-                  </a:txBody>
-                  <a:tcPr marL="68580" marR="68580" marT="0" marB="0"/>
-                </a:tc>
-                <a:tc>
-                  <a:txBody>
-                    <a:bodyPr/>
-                    <a:lstStyle/>
-                    <a:p>
-                      <a:pPr algn="ctr">
-                        <a:spcAft>
-                          <a:spcPts val="0"/>
-                        </a:spcAft>
-                      </a:pPr>
-                      <a:r>
-                        <a:rPr lang="de-DE" sz="1200">
-                          <a:effectLst/>
-                          <a:latin typeface="Arial" pitchFamily="34" charset="0"/>
-                          <a:cs typeface="Arial" pitchFamily="34" charset="0"/>
-                        </a:rPr>
-                        <a:t>120 min</a:t>
-                      </a:r>
-                      <a:endParaRPr lang="pt-BR" sz="1200">
-                        <a:effectLst/>
-                        <a:latin typeface="Arial" pitchFamily="34" charset="0"/>
-                        <a:ea typeface="Times New Roman"/>
-                        <a:cs typeface="Arial" pitchFamily="34" charset="0"/>
-                      </a:endParaRPr>
-                    </a:p>
-                  </a:txBody>
-                  <a:tcPr marL="68580" marR="68580" marT="0" marB="0"/>
-                </a:tc>
-                <a:tc>
-                  <a:txBody>
-                    <a:bodyPr/>
-                    <a:lstStyle/>
-                    <a:p>
-                      <a:pPr algn="ctr">
-                        <a:spcAft>
-                          <a:spcPts val="0"/>
-                        </a:spcAft>
-                      </a:pPr>
-                      <a:r>
-                        <a:rPr lang="de-DE" sz="1200">
-                          <a:effectLst/>
-                          <a:latin typeface="Arial" pitchFamily="34" charset="0"/>
-                          <a:cs typeface="Arial" pitchFamily="34" charset="0"/>
-                        </a:rPr>
-                        <a:t>300 min</a:t>
-                      </a:r>
-                      <a:endParaRPr lang="pt-BR" sz="1200">
-                        <a:effectLst/>
-                        <a:latin typeface="Arial" pitchFamily="34" charset="0"/>
-                        <a:ea typeface="Times New Roman"/>
-                        <a:cs typeface="Arial" pitchFamily="34" charset="0"/>
-                      </a:endParaRPr>
-                    </a:p>
-                  </a:txBody>
-                  <a:tcPr marL="68580" marR="68580" marT="0" marB="0"/>
-                </a:tc>
-                <a:tc>
-                  <a:txBody>
-                    <a:bodyPr/>
-                    <a:lstStyle/>
-                    <a:p>
-                      <a:pPr algn="ctr">
-                        <a:spcAft>
-                          <a:spcPts val="0"/>
-                        </a:spcAft>
-                      </a:pPr>
-                      <a:r>
-                        <a:rPr lang="de-DE" sz="1200">
-                          <a:effectLst/>
-                          <a:latin typeface="Arial" pitchFamily="34" charset="0"/>
-                          <a:cs typeface="Arial" pitchFamily="34" charset="0"/>
-                        </a:rPr>
-                        <a:t>60 min</a:t>
-                      </a:r>
-                      <a:endParaRPr lang="pt-BR" sz="1200">
-                        <a:effectLst/>
-                        <a:latin typeface="Arial" pitchFamily="34" charset="0"/>
-                        <a:ea typeface="Times New Roman"/>
-                        <a:cs typeface="Arial" pitchFamily="34" charset="0"/>
-                      </a:endParaRPr>
-                    </a:p>
-                  </a:txBody>
-                  <a:tcPr marL="68580" marR="68580" marT="0" marB="0"/>
-                </a:tc>
-              </a:tr>
-              <a:tr h="237627">
-                <a:tc>
-                  <a:txBody>
-                    <a:bodyPr/>
-                    <a:lstStyle/>
-                    <a:p>
-                      <a:pPr>
-                        <a:spcAft>
-                          <a:spcPts val="0"/>
-                        </a:spcAft>
-                      </a:pPr>
-                      <a:r>
-                        <a:rPr lang="de-DE" sz="1200">
+                        <a:rPr lang="de-DE" sz="1200" dirty="0">
                           <a:effectLst/>
                           <a:latin typeface="Arial" pitchFamily="34" charset="0"/>
                           <a:cs typeface="Arial" pitchFamily="34" charset="0"/>
                         </a:rPr>
                         <a:t>Data</a:t>
                       </a:r>
-                      <a:endParaRPr lang="pt-BR" sz="1200">
+                      <a:endParaRPr lang="pt-BR" sz="1200" dirty="0">
                         <a:effectLst/>
                         <a:latin typeface="Arial" pitchFamily="34" charset="0"/>
                         <a:ea typeface="Times New Roman"/>
@@ -8578,12 +8464,20 @@
           </a:bodyPr>
           <a:lstStyle/>
           <a:p>
+            <a:pPr algn="ctr"/>
             <a:r>
               <a:rPr lang="pt-BR" sz="3600" b="1" dirty="0" smtClean="0">
                 <a:latin typeface="Arial" pitchFamily="34" charset="0"/>
                 <a:cs typeface="Arial" pitchFamily="34" charset="0"/>
               </a:rPr>
-              <a:t>Divisão de Tarefas da Fase</a:t>
+              <a:t>Tarefas </a:t>
+            </a:r>
+            <a:r>
+              <a:rPr lang="pt-BR" sz="3600" b="1" dirty="0" smtClean="0">
+                <a:latin typeface="Arial" pitchFamily="34" charset="0"/>
+                <a:cs typeface="Arial" pitchFamily="34" charset="0"/>
+              </a:rPr>
+              <a:t>da Fase</a:t>
             </a:r>
             <a:endParaRPr lang="pt-BR" sz="3600" b="1" dirty="0">
               <a:latin typeface="Arial" pitchFamily="34" charset="0"/>
@@ -8608,7 +8502,7 @@
         </p:nvGraphicFramePr>
         <p:xfrm>
           <a:off x="2646488" y="764704"/>
-          <a:ext cx="6084168" cy="6025008"/>
+          <a:ext cx="6084168" cy="6068314"/>
         </p:xfrm>
         <a:graphic>
           <a:graphicData uri="http://schemas.openxmlformats.org/drawingml/2006/table">
@@ -9732,14 +9626,7 @@
                 <a:latin typeface="Arial" pitchFamily="34" charset="0"/>
                 <a:cs typeface="Arial" pitchFamily="34" charset="0"/>
               </a:rPr>
-              <a:t> abaixo</a:t>
-            </a:r>
-            <a:r>
-              <a:rPr lang="pt-BR" sz="2400" dirty="0">
-                <a:latin typeface="Arial" pitchFamily="34" charset="0"/>
-                <a:cs typeface="Arial" pitchFamily="34" charset="0"/>
-              </a:rPr>
-              <a:t>.</a:t>
+              <a:t> abaixo.</a:t>
             </a:r>
             <a:br>
               <a:rPr lang="pt-BR" sz="2400" dirty="0">
@@ -9877,14 +9764,7 @@
                 <a:latin typeface="Arial" pitchFamily="34" charset="0"/>
                 <a:cs typeface="Arial" pitchFamily="34" charset="0"/>
               </a:rPr>
-              <a:t>Exercício </a:t>
-            </a:r>
-            <a:r>
-              <a:rPr lang="pt-BR" sz="2000" b="1" dirty="0">
-                <a:latin typeface="Arial" pitchFamily="34" charset="0"/>
-                <a:cs typeface="Arial" pitchFamily="34" charset="0"/>
-              </a:rPr>
-              <a:t>1: </a:t>
+              <a:t>Exercício 1: </a:t>
             </a:r>
             <a:r>
               <a:rPr lang="pt-BR" sz="2000" dirty="0">
